--- a/Documentation/Group_Documentation/Spring_Progress_Report/video/CDK Data Stream AI Spring Progress Report.pptx
+++ b/Documentation/Group_Documentation/Spring_Progress_Report/video/CDK Data Stream AI Spring Progress Report.pptx
@@ -23,20 +23,18 @@
     <p:sldId id="268" r:id="rId18"/>
     <p:sldId id="269" r:id="rId19"/>
     <p:sldId id="270" r:id="rId20"/>
-    <p:sldId id="271" r:id="rId21"/>
-    <p:sldId id="272" r:id="rId22"/>
   </p:sldIdLst>
   <p:sldSz cy="5143500" cx="9144000"/>
   <p:notesSz cx="6858000" cy="9144000"/>
   <p:embeddedFontLst>
     <p:embeddedFont>
       <p:font typeface="Average"/>
-      <p:regular r:id="rId23"/>
+      <p:regular r:id="rId21"/>
     </p:embeddedFont>
     <p:embeddedFont>
       <p:font typeface="Oswald"/>
-      <p:regular r:id="rId24"/>
-      <p:bold r:id="rId25"/>
+      <p:regular r:id="rId22"/>
+      <p:bold r:id="rId23"/>
     </p:embeddedFont>
   </p:embeddedFontLst>
   <p:defaultTextStyle>
@@ -1336,202 +1334,6 @@
       <p:sp>
         <p:nvSpPr>
           <p:cNvPr id="172" name="Shape 172"/>
-          <p:cNvSpPr txBox="1"/>
-          <p:nvPr>
-            <p:ph idx="1" type="body"/>
-          </p:nvPr>
-        </p:nvSpPr>
-        <p:spPr>
-          <a:xfrm>
-            <a:off x="685800" y="4343400"/>
-            <a:ext cx="5486400" cy="4114800"/>
-          </a:xfrm>
-          <a:prstGeom prst="rect">
-            <a:avLst/>
-          </a:prstGeom>
-        </p:spPr>
-        <p:txBody>
-          <a:bodyPr anchorCtr="0" anchor="t" bIns="91425" lIns="91425" spcFirstLastPara="1" rIns="91425" wrap="square" tIns="91425">
-            <a:noAutofit/>
-          </a:bodyPr>
-          <a:lstStyle/>
-          <a:p>
-            <a:pPr indent="0" lvl="0" marL="0">
-              <a:spcBef>
-                <a:spcPts val="0"/>
-              </a:spcBef>
-              <a:spcAft>
-                <a:spcPts val="0"/>
-              </a:spcAft>
-              <a:buNone/>
-            </a:pPr>
-            <a:r>
-              <a:t/>
-            </a:r>
-            <a:endParaRPr/>
-          </a:p>
-        </p:txBody>
-      </p:sp>
-    </p:spTree>
-  </p:cSld>
-  <p:clrMapOvr>
-    <a:masterClrMapping/>
-  </p:clrMapOvr>
-</p:notes>
-</file>
-
-<file path=ppt/notesSlides/notesSlide16.xml><?xml version="1.0" encoding="utf-8"?>
-<p:notes xmlns:a="http://schemas.openxmlformats.org/drawingml/2006/main" xmlns:r="http://schemas.openxmlformats.org/officeDocument/2006/relationships" xmlns:mc="http://schemas.openxmlformats.org/markup-compatibility/2006" xmlns:mv="urn:schemas-microsoft-com:mac:vml" xmlns:p="http://schemas.openxmlformats.org/presentationml/2006/main" xmlns:c="http://schemas.openxmlformats.org/drawingml/2006/chart" xmlns:dgm="http://schemas.openxmlformats.org/drawingml/2006/diagram" xmlns:o="urn:schemas-microsoft-com:office:office" xmlns:v="urn:schemas-microsoft-com:vml" xmlns:pvml="urn:schemas-microsoft-com:office:powerpoint" xmlns:com="http://schemas.openxmlformats.org/drawingml/2006/compatibility" xmlns:p14="http://schemas.microsoft.com/office/powerpoint/2010/main" xmlns:p15="http://schemas.microsoft.com/office/powerpoint/2012/main" showMasterPhAnim="0" showMasterSp="0">
-  <p:cSld>
-    <p:spTree>
-      <p:nvGrpSpPr>
-        <p:cNvPr id="176" name="Shape 176"/>
-        <p:cNvGrpSpPr/>
-        <p:nvPr/>
-      </p:nvGrpSpPr>
-      <p:grpSpPr>
-        <a:xfrm>
-          <a:off x="0" y="0"/>
-          <a:ext cx="0" cy="0"/>
-          <a:chOff x="0" y="0"/>
-          <a:chExt cx="0" cy="0"/>
-        </a:xfrm>
-      </p:grpSpPr>
-      <p:sp>
-        <p:nvSpPr>
-          <p:cNvPr id="177" name="Shape 177"/>
-          <p:cNvSpPr/>
-          <p:nvPr>
-            <p:ph idx="2" type="sldImg"/>
-          </p:nvPr>
-        </p:nvSpPr>
-        <p:spPr>
-          <a:xfrm>
-            <a:off x="381300" y="685800"/>
-            <a:ext cx="6096000" cy="3429000"/>
-          </a:xfrm>
-          <a:custGeom>
-            <a:pathLst>
-              <a:path extrusionOk="0" h="120000" w="120000">
-                <a:moveTo>
-                  <a:pt x="0" y="0"/>
-                </a:moveTo>
-                <a:lnTo>
-                  <a:pt x="120000" y="0"/>
-                </a:lnTo>
-                <a:lnTo>
-                  <a:pt x="120000" y="120000"/>
-                </a:lnTo>
-                <a:lnTo>
-                  <a:pt x="0" y="120000"/>
-                </a:lnTo>
-                <a:close/>
-              </a:path>
-            </a:pathLst>
-          </a:custGeom>
-        </p:spPr>
-      </p:sp>
-      <p:sp>
-        <p:nvSpPr>
-          <p:cNvPr id="178" name="Shape 178"/>
-          <p:cNvSpPr txBox="1"/>
-          <p:nvPr>
-            <p:ph idx="1" type="body"/>
-          </p:nvPr>
-        </p:nvSpPr>
-        <p:spPr>
-          <a:xfrm>
-            <a:off x="685800" y="4343400"/>
-            <a:ext cx="5486400" cy="4114800"/>
-          </a:xfrm>
-          <a:prstGeom prst="rect">
-            <a:avLst/>
-          </a:prstGeom>
-        </p:spPr>
-        <p:txBody>
-          <a:bodyPr anchorCtr="0" anchor="t" bIns="91425" lIns="91425" spcFirstLastPara="1" rIns="91425" wrap="square" tIns="91425">
-            <a:noAutofit/>
-          </a:bodyPr>
-          <a:lstStyle/>
-          <a:p>
-            <a:pPr indent="0" lvl="0" marL="0">
-              <a:spcBef>
-                <a:spcPts val="0"/>
-              </a:spcBef>
-              <a:spcAft>
-                <a:spcPts val="0"/>
-              </a:spcAft>
-              <a:buNone/>
-            </a:pPr>
-            <a:r>
-              <a:t/>
-            </a:r>
-            <a:endParaRPr/>
-          </a:p>
-        </p:txBody>
-      </p:sp>
-    </p:spTree>
-  </p:cSld>
-  <p:clrMapOvr>
-    <a:masterClrMapping/>
-  </p:clrMapOvr>
-</p:notes>
-</file>
-
-<file path=ppt/notesSlides/notesSlide17.xml><?xml version="1.0" encoding="utf-8"?>
-<p:notes xmlns:a="http://schemas.openxmlformats.org/drawingml/2006/main" xmlns:r="http://schemas.openxmlformats.org/officeDocument/2006/relationships" xmlns:mc="http://schemas.openxmlformats.org/markup-compatibility/2006" xmlns:mv="urn:schemas-microsoft-com:mac:vml" xmlns:p="http://schemas.openxmlformats.org/presentationml/2006/main" xmlns:c="http://schemas.openxmlformats.org/drawingml/2006/chart" xmlns:dgm="http://schemas.openxmlformats.org/drawingml/2006/diagram" xmlns:o="urn:schemas-microsoft-com:office:office" xmlns:v="urn:schemas-microsoft-com:vml" xmlns:pvml="urn:schemas-microsoft-com:office:powerpoint" xmlns:com="http://schemas.openxmlformats.org/drawingml/2006/compatibility" xmlns:p14="http://schemas.microsoft.com/office/powerpoint/2010/main" xmlns:p15="http://schemas.microsoft.com/office/powerpoint/2012/main" showMasterPhAnim="0" showMasterSp="0">
-  <p:cSld>
-    <p:spTree>
-      <p:nvGrpSpPr>
-        <p:cNvPr id="182" name="Shape 182"/>
-        <p:cNvGrpSpPr/>
-        <p:nvPr/>
-      </p:nvGrpSpPr>
-      <p:grpSpPr>
-        <a:xfrm>
-          <a:off x="0" y="0"/>
-          <a:ext cx="0" cy="0"/>
-          <a:chOff x="0" y="0"/>
-          <a:chExt cx="0" cy="0"/>
-        </a:xfrm>
-      </p:grpSpPr>
-      <p:sp>
-        <p:nvSpPr>
-          <p:cNvPr id="183" name="Shape 183"/>
-          <p:cNvSpPr/>
-          <p:nvPr>
-            <p:ph idx="2" type="sldImg"/>
-          </p:nvPr>
-        </p:nvSpPr>
-        <p:spPr>
-          <a:xfrm>
-            <a:off x="381300" y="685800"/>
-            <a:ext cx="6096000" cy="3429000"/>
-          </a:xfrm>
-          <a:custGeom>
-            <a:pathLst>
-              <a:path extrusionOk="0" h="120000" w="120000">
-                <a:moveTo>
-                  <a:pt x="0" y="0"/>
-                </a:moveTo>
-                <a:lnTo>
-                  <a:pt x="120000" y="0"/>
-                </a:lnTo>
-                <a:lnTo>
-                  <a:pt x="120000" y="120000"/>
-                </a:lnTo>
-                <a:lnTo>
-                  <a:pt x="0" y="120000"/>
-                </a:lnTo>
-                <a:close/>
-              </a:path>
-            </a:pathLst>
-          </a:custGeom>
-        </p:spPr>
-      </p:sp>
-      <p:sp>
-        <p:nvSpPr>
-          <p:cNvPr id="184" name="Shape 184"/>
           <p:cNvSpPr txBox="1"/>
           <p:nvPr>
             <p:ph idx="1" type="body"/>
@@ -7754,7 +7556,7 @@
             <a:tbl>
               <a:tblPr>
                 <a:noFill/>
-                <a:tableStyleId>{DD4DBFF6-DA18-4AC0-90F8-6C14E18FC961}</a:tableStyleId>
+                <a:tableStyleId>{FEC2A8B3-041E-4FB1-A717-3C43439F81F6}</a:tableStyleId>
               </a:tblPr>
               <a:tblGrid>
                 <a:gridCol w="3797000"/>
@@ -8784,7 +8586,7 @@
             <a:tbl>
               <a:tblPr>
                 <a:noFill/>
-                <a:tableStyleId>{DD4DBFF6-DA18-4AC0-90F8-6C14E18FC961}</a:tableStyleId>
+                <a:tableStyleId>{FEC2A8B3-041E-4FB1-A717-3C43439F81F6}</a:tableStyleId>
               </a:tblPr>
               <a:tblGrid>
                 <a:gridCol w="3797000"/>
@@ -9505,7 +9307,7 @@
             </a:pPr>
             <a:r>
               <a:rPr lang="en"/>
-              <a:t>Convolutional Network</a:t>
+              <a:t>Recap</a:t>
             </a:r>
             <a:endParaRPr/>
           </a:p>
@@ -9522,7 +9324,7 @@
         <p:spPr>
           <a:xfrm>
             <a:off x="311700" y="1152475"/>
-            <a:ext cx="5992200" cy="3416400"/>
+            <a:ext cx="8520600" cy="3416400"/>
           </a:xfrm>
           <a:prstGeom prst="rect">
             <a:avLst/>
@@ -9534,56 +9336,110 @@
           </a:bodyPr>
           <a:lstStyle/>
           <a:p>
-            <a:pPr indent="0" lvl="0" marL="0" rtl="0">
-              <a:spcBef>
-                <a:spcPts val="0"/>
-              </a:spcBef>
-              <a:spcAft>
-                <a:spcPts val="0"/>
-              </a:spcAft>
-              <a:buNone/>
+            <a:pPr indent="-342900" lvl="0" marL="457200" rtl="0">
+              <a:spcBef>
+                <a:spcPts val="0"/>
+              </a:spcBef>
+              <a:spcAft>
+                <a:spcPts val="0"/>
+              </a:spcAft>
+              <a:buSzPts val="1800"/>
+              <a:buChar char="-"/>
             </a:pPr>
             <a:r>
-              <a:rPr lang="en">
-                <a:latin typeface="Oswald"/>
-                <a:ea typeface="Oswald"/>
-                <a:cs typeface="Oswald"/>
-                <a:sym typeface="Oswald"/>
-              </a:rPr>
-              <a:t>- Achieving higher correctness percentages</a:t>
+              <a:rPr lang="en"/>
+              <a:t>Successfully</a:t>
             </a:r>
-            <a:endParaRPr>
-              <a:latin typeface="Oswald"/>
-              <a:ea typeface="Oswald"/>
-              <a:cs typeface="Oswald"/>
-              <a:sym typeface="Oswald"/>
-            </a:endParaRPr>
+            <a:r>
+              <a:rPr lang="en"/>
+              <a:t> trained net to detect signatures</a:t>
+            </a:r>
+            <a:endParaRPr/>
           </a:p>
           <a:p>
-            <a:pPr indent="0" lvl="0" marL="0" rtl="0">
-              <a:spcBef>
-                <a:spcPts val="1600"/>
-              </a:spcBef>
-              <a:spcAft>
-                <a:spcPts val="0"/>
-              </a:spcAft>
-              <a:buNone/>
+            <a:pPr indent="-342900" lvl="0" marL="457200" rtl="0">
+              <a:spcBef>
+                <a:spcPts val="0"/>
+              </a:spcBef>
+              <a:spcAft>
+                <a:spcPts val="0"/>
+              </a:spcAft>
+              <a:buSzPts val="1800"/>
+              <a:buChar char="-"/>
             </a:pPr>
             <a:r>
-              <a:rPr lang="en">
-                <a:latin typeface="Oswald"/>
-                <a:ea typeface="Oswald"/>
-                <a:cs typeface="Oswald"/>
-                <a:sym typeface="Oswald"/>
-              </a:rPr>
-              <a:t>- Widening the testing pool</a:t>
+              <a:rPr lang="en"/>
+              <a:t>100% accuracy over tested documents</a:t>
             </a:r>
-            <a:endParaRPr>
-              <a:latin typeface="Oswald"/>
-              <a:ea typeface="Oswald"/>
-              <a:cs typeface="Oswald"/>
-              <a:sym typeface="Oswald"/>
-            </a:endParaRPr>
+            <a:endParaRPr/>
+          </a:p>
+          <a:p>
+            <a:pPr indent="-342900" lvl="0" marL="457200" rtl="0">
+              <a:spcBef>
+                <a:spcPts val="0"/>
+              </a:spcBef>
+              <a:spcAft>
+                <a:spcPts val="0"/>
+              </a:spcAft>
+              <a:buSzPts val="1800"/>
+              <a:buChar char="-"/>
+            </a:pPr>
+            <a:r>
+              <a:rPr lang="en"/>
+              <a:t>Capability to save architecture</a:t>
+            </a:r>
+            <a:endParaRPr/>
+          </a:p>
+          <a:p>
+            <a:pPr indent="-342900" lvl="0" marL="457200" rtl="0">
+              <a:spcBef>
+                <a:spcPts val="0"/>
+              </a:spcBef>
+              <a:spcAft>
+                <a:spcPts val="0"/>
+              </a:spcAft>
+              <a:buSzPts val="1800"/>
+              <a:buChar char="-"/>
+            </a:pPr>
+            <a:r>
+              <a:rPr lang="en"/>
+              <a:t>Capability to load architecture</a:t>
+            </a:r>
+            <a:endParaRPr/>
+          </a:p>
+          <a:p>
+            <a:pPr indent="-342900" lvl="0" marL="457200" rtl="0">
+              <a:spcBef>
+                <a:spcPts val="0"/>
+              </a:spcBef>
+              <a:spcAft>
+                <a:spcPts val="0"/>
+              </a:spcAft>
+              <a:buSzPts val="1800"/>
+              <a:buChar char="-"/>
+            </a:pPr>
+            <a:r>
+              <a:rPr lang="en"/>
+              <a:t>Capability to resume training</a:t>
+            </a:r>
+            <a:endParaRPr/>
+          </a:p>
+          <a:p>
+            <a:pPr indent="-342900" lvl="0" marL="457200" rtl="0">
+              <a:spcBef>
+                <a:spcPts val="0"/>
+              </a:spcBef>
+              <a:spcAft>
+                <a:spcPts val="0"/>
+              </a:spcAft>
+              <a:buSzPts val="1800"/>
+              <a:buChar char="-"/>
+            </a:pPr>
+            <a:r>
+              <a:rPr lang="en"/>
+              <a:t>Capability examine specific result indexes</a:t>
+            </a:r>
+            <a:endParaRPr/>
           </a:p>
           <a:p>
             <a:pPr indent="0" lvl="0" marL="0">
@@ -9591,69 +9447,14 @@
                 <a:spcPts val="1600"/>
               </a:spcBef>
               <a:spcAft>
-                <a:spcPts val="0"/>
+                <a:spcPts val="1600"/>
               </a:spcAft>
               <a:buNone/>
             </a:pPr>
             <a:r>
-              <a:rPr lang="en">
-                <a:latin typeface="Oswald"/>
-                <a:ea typeface="Oswald"/>
-                <a:cs typeface="Oswald"/>
-                <a:sym typeface="Oswald"/>
-              </a:rPr>
-              <a:t>- Widening the sample pool</a:t>
+              <a:t/>
             </a:r>
-            <a:endParaRPr>
-              <a:latin typeface="Oswald"/>
-              <a:ea typeface="Oswald"/>
-              <a:cs typeface="Oswald"/>
-              <a:sym typeface="Oswald"/>
-            </a:endParaRPr>
-          </a:p>
-          <a:p>
-            <a:pPr indent="0" lvl="0" marL="0" rtl="0">
-              <a:spcBef>
-                <a:spcPts val="1600"/>
-              </a:spcBef>
-              <a:spcAft>
-                <a:spcPts val="1600"/>
-              </a:spcAft>
-              <a:buNone/>
-            </a:pPr>
-            <a:r>
-              <a:rPr lang="en">
-                <a:latin typeface="Oswald"/>
-                <a:ea typeface="Oswald"/>
-                <a:cs typeface="Oswald"/>
-                <a:sym typeface="Oswald"/>
-              </a:rPr>
-              <a:t>- Negative </a:t>
-            </a:r>
-            <a:r>
-              <a:rPr lang="en">
-                <a:latin typeface="Oswald"/>
-                <a:ea typeface="Oswald"/>
-                <a:cs typeface="Oswald"/>
-                <a:sym typeface="Oswald"/>
-              </a:rPr>
-              <a:t>input</a:t>
-            </a:r>
-            <a:r>
-              <a:rPr lang="en">
-                <a:latin typeface="Oswald"/>
-                <a:ea typeface="Oswald"/>
-                <a:cs typeface="Oswald"/>
-                <a:sym typeface="Oswald"/>
-              </a:rPr>
-              <a:t> specific training</a:t>
-            </a:r>
-            <a:endParaRPr>
-              <a:latin typeface="Oswald"/>
-              <a:ea typeface="Oswald"/>
-              <a:cs typeface="Oswald"/>
-              <a:sym typeface="Oswald"/>
-            </a:endParaRPr>
+            <a:endParaRPr/>
           </a:p>
         </p:txBody>
       </p:sp>
@@ -9716,7 +9517,7 @@
             </a:pPr>
             <a:r>
               <a:rPr lang="en"/>
-              <a:t>Recap</a:t>
+              <a:t>Convolutional Network</a:t>
             </a:r>
             <a:endParaRPr/>
           </a:p>
@@ -9733,7 +9534,7 @@
         <p:spPr>
           <a:xfrm>
             <a:off x="311700" y="1152475"/>
-            <a:ext cx="8520600" cy="3416400"/>
+            <a:ext cx="5992200" cy="3416400"/>
           </a:xfrm>
           <a:prstGeom prst="rect">
             <a:avLst/>
@@ -9745,110 +9546,56 @@
           </a:bodyPr>
           <a:lstStyle/>
           <a:p>
-            <a:pPr indent="-342900" lvl="0" marL="457200" rtl="0">
-              <a:spcBef>
-                <a:spcPts val="0"/>
-              </a:spcBef>
-              <a:spcAft>
-                <a:spcPts val="0"/>
-              </a:spcAft>
-              <a:buSzPts val="1800"/>
-              <a:buChar char="-"/>
+            <a:pPr indent="0" lvl="0" marL="0" rtl="0">
+              <a:spcBef>
+                <a:spcPts val="0"/>
+              </a:spcBef>
+              <a:spcAft>
+                <a:spcPts val="0"/>
+              </a:spcAft>
+              <a:buNone/>
             </a:pPr>
             <a:r>
-              <a:rPr lang="en"/>
-              <a:t>Successfully</a:t>
+              <a:rPr lang="en">
+                <a:latin typeface="Oswald"/>
+                <a:ea typeface="Oswald"/>
+                <a:cs typeface="Oswald"/>
+                <a:sym typeface="Oswald"/>
+              </a:rPr>
+              <a:t>- Achieving higher correctness percentages</a:t>
             </a:r>
-            <a:r>
-              <a:rPr lang="en"/>
-              <a:t> trained net to detect signatures</a:t>
-            </a:r>
-            <a:endParaRPr/>
+            <a:endParaRPr>
+              <a:latin typeface="Oswald"/>
+              <a:ea typeface="Oswald"/>
+              <a:cs typeface="Oswald"/>
+              <a:sym typeface="Oswald"/>
+            </a:endParaRPr>
           </a:p>
           <a:p>
-            <a:pPr indent="-342900" lvl="0" marL="457200" rtl="0">
-              <a:spcBef>
-                <a:spcPts val="0"/>
-              </a:spcBef>
-              <a:spcAft>
-                <a:spcPts val="0"/>
-              </a:spcAft>
-              <a:buSzPts val="1800"/>
-              <a:buChar char="-"/>
+            <a:pPr indent="0" lvl="0" marL="0" rtl="0">
+              <a:spcBef>
+                <a:spcPts val="1600"/>
+              </a:spcBef>
+              <a:spcAft>
+                <a:spcPts val="0"/>
+              </a:spcAft>
+              <a:buNone/>
             </a:pPr>
             <a:r>
-              <a:rPr lang="en"/>
-              <a:t>100% accuracy over tested documents</a:t>
+              <a:rPr lang="en">
+                <a:latin typeface="Oswald"/>
+                <a:ea typeface="Oswald"/>
+                <a:cs typeface="Oswald"/>
+                <a:sym typeface="Oswald"/>
+              </a:rPr>
+              <a:t>- Widening the testing pool</a:t>
             </a:r>
-            <a:endParaRPr/>
-          </a:p>
-          <a:p>
-            <a:pPr indent="-342900" lvl="0" marL="457200" rtl="0">
-              <a:spcBef>
-                <a:spcPts val="0"/>
-              </a:spcBef>
-              <a:spcAft>
-                <a:spcPts val="0"/>
-              </a:spcAft>
-              <a:buSzPts val="1800"/>
-              <a:buChar char="-"/>
-            </a:pPr>
-            <a:r>
-              <a:rPr lang="en"/>
-              <a:t>Capability to save architecture</a:t>
-            </a:r>
-            <a:endParaRPr/>
-          </a:p>
-          <a:p>
-            <a:pPr indent="-342900" lvl="0" marL="457200" rtl="0">
-              <a:spcBef>
-                <a:spcPts val="0"/>
-              </a:spcBef>
-              <a:spcAft>
-                <a:spcPts val="0"/>
-              </a:spcAft>
-              <a:buSzPts val="1800"/>
-              <a:buChar char="-"/>
-            </a:pPr>
-            <a:r>
-              <a:rPr lang="en"/>
-              <a:t>Capability to load architecture</a:t>
-            </a:r>
-            <a:endParaRPr/>
-          </a:p>
-          <a:p>
-            <a:pPr indent="-342900" lvl="0" marL="457200" rtl="0">
-              <a:spcBef>
-                <a:spcPts val="0"/>
-              </a:spcBef>
-              <a:spcAft>
-                <a:spcPts val="0"/>
-              </a:spcAft>
-              <a:buSzPts val="1800"/>
-              <a:buChar char="-"/>
-            </a:pPr>
-            <a:r>
-              <a:rPr lang="en"/>
-              <a:t>Capability to resume training</a:t>
-            </a:r>
-            <a:endParaRPr/>
-          </a:p>
-          <a:p>
-            <a:pPr indent="-342900" lvl="0" marL="457200" rtl="0">
-              <a:spcBef>
-                <a:spcPts val="0"/>
-              </a:spcBef>
-              <a:spcAft>
-                <a:spcPts val="0"/>
-              </a:spcAft>
-              <a:buSzPts val="1800"/>
-              <a:buChar char="-"/>
-            </a:pPr>
-            <a:r>
-              <a:rPr lang="en"/>
-              <a:t>Capability examine specific result indexes</a:t>
-            </a:r>
-            <a:endParaRPr/>
+            <a:endParaRPr>
+              <a:latin typeface="Oswald"/>
+              <a:ea typeface="Oswald"/>
+              <a:cs typeface="Oswald"/>
+              <a:sym typeface="Oswald"/>
+            </a:endParaRPr>
           </a:p>
           <a:p>
             <a:pPr indent="0" lvl="0" marL="0">
@@ -9856,14 +9603,69 @@
                 <a:spcPts val="1600"/>
               </a:spcBef>
               <a:spcAft>
-                <a:spcPts val="1600"/>
+                <a:spcPts val="0"/>
               </a:spcAft>
               <a:buNone/>
             </a:pPr>
             <a:r>
-              <a:t/>
+              <a:rPr lang="en">
+                <a:latin typeface="Oswald"/>
+                <a:ea typeface="Oswald"/>
+                <a:cs typeface="Oswald"/>
+                <a:sym typeface="Oswald"/>
+              </a:rPr>
+              <a:t>- Widening the sample pool</a:t>
             </a:r>
-            <a:endParaRPr/>
+            <a:endParaRPr>
+              <a:latin typeface="Oswald"/>
+              <a:ea typeface="Oswald"/>
+              <a:cs typeface="Oswald"/>
+              <a:sym typeface="Oswald"/>
+            </a:endParaRPr>
+          </a:p>
+          <a:p>
+            <a:pPr indent="0" lvl="0" marL="0" rtl="0">
+              <a:spcBef>
+                <a:spcPts val="1600"/>
+              </a:spcBef>
+              <a:spcAft>
+                <a:spcPts val="1600"/>
+              </a:spcAft>
+              <a:buNone/>
+            </a:pPr>
+            <a:r>
+              <a:rPr lang="en">
+                <a:latin typeface="Oswald"/>
+                <a:ea typeface="Oswald"/>
+                <a:cs typeface="Oswald"/>
+                <a:sym typeface="Oswald"/>
+              </a:rPr>
+              <a:t>- Negative </a:t>
+            </a:r>
+            <a:r>
+              <a:rPr lang="en">
+                <a:latin typeface="Oswald"/>
+                <a:ea typeface="Oswald"/>
+                <a:cs typeface="Oswald"/>
+                <a:sym typeface="Oswald"/>
+              </a:rPr>
+              <a:t>input</a:t>
+            </a:r>
+            <a:r>
+              <a:rPr lang="en">
+                <a:latin typeface="Oswald"/>
+                <a:ea typeface="Oswald"/>
+                <a:cs typeface="Oswald"/>
+                <a:sym typeface="Oswald"/>
+              </a:rPr>
+              <a:t> specific training</a:t>
+            </a:r>
+            <a:endParaRPr>
+              <a:latin typeface="Oswald"/>
+              <a:ea typeface="Oswald"/>
+              <a:cs typeface="Oswald"/>
+              <a:sym typeface="Oswald"/>
+            </a:endParaRPr>
           </a:p>
         </p:txBody>
       </p:sp>
@@ -10206,347 +10008,6 @@
             <a:r>
               <a:rPr lang="en"/>
               <a:t>- Debug / comment /complete / </a:t>
-            </a:r>
-            <a:endParaRPr/>
-          </a:p>
-        </p:txBody>
-      </p:sp>
-    </p:spTree>
-  </p:cSld>
-  <p:clrMapOvr>
-    <a:masterClrMapping/>
-  </p:clrMapOvr>
-</p:sld>
-</file>
-
-<file path=ppt/slides/slide16.xml><?xml version="1.0" encoding="utf-8"?>
-<p:sld xmlns:a="http://schemas.openxmlformats.org/drawingml/2006/main" xmlns:r="http://schemas.openxmlformats.org/officeDocument/2006/relationships" xmlns:mc="http://schemas.openxmlformats.org/markup-compatibility/2006" xmlns:mv="urn:schemas-microsoft-com:mac:vml" xmlns:p="http://schemas.openxmlformats.org/presentationml/2006/main" xmlns:c="http://schemas.openxmlformats.org/drawingml/2006/chart" xmlns:dgm="http://schemas.openxmlformats.org/drawingml/2006/diagram" xmlns:o="urn:schemas-microsoft-com:office:office" xmlns:v="urn:schemas-microsoft-com:vml" xmlns:pvml="urn:schemas-microsoft-com:office:powerpoint" xmlns:com="http://schemas.openxmlformats.org/drawingml/2006/compatibility" xmlns:p14="http://schemas.microsoft.com/office/powerpoint/2010/main" xmlns:p15="http://schemas.microsoft.com/office/powerpoint/2012/main">
-  <p:cSld>
-    <p:spTree>
-      <p:nvGrpSpPr>
-        <p:cNvPr id="179" name="Shape 179"/>
-        <p:cNvGrpSpPr/>
-        <p:nvPr/>
-      </p:nvGrpSpPr>
-      <p:grpSpPr>
-        <a:xfrm>
-          <a:off x="0" y="0"/>
-          <a:ext cx="0" cy="0"/>
-          <a:chOff x="0" y="0"/>
-          <a:chExt cx="0" cy="0"/>
-        </a:xfrm>
-      </p:grpSpPr>
-      <p:sp>
-        <p:nvSpPr>
-          <p:cNvPr id="180" name="Shape 180"/>
-          <p:cNvSpPr txBox="1"/>
-          <p:nvPr>
-            <p:ph type="title"/>
-          </p:nvPr>
-        </p:nvSpPr>
-        <p:spPr>
-          <a:xfrm>
-            <a:off x="311700" y="445025"/>
-            <a:ext cx="8520600" cy="572700"/>
-          </a:xfrm>
-          <a:prstGeom prst="rect">
-            <a:avLst/>
-          </a:prstGeom>
-        </p:spPr>
-        <p:txBody>
-          <a:bodyPr anchorCtr="0" anchor="t" bIns="91425" lIns="91425" spcFirstLastPara="1" rIns="91425" wrap="square" tIns="91425">
-            <a:noAutofit/>
-          </a:bodyPr>
-          <a:lstStyle/>
-          <a:p>
-            <a:pPr indent="0" lvl="0" marL="0">
-              <a:spcBef>
-                <a:spcPts val="0"/>
-              </a:spcBef>
-              <a:spcAft>
-                <a:spcPts val="0"/>
-              </a:spcAft>
-              <a:buNone/>
-            </a:pPr>
-            <a:r>
-              <a:rPr lang="en"/>
-              <a:t>Challenges</a:t>
-            </a:r>
-            <a:endParaRPr/>
-          </a:p>
-        </p:txBody>
-      </p:sp>
-      <p:sp>
-        <p:nvSpPr>
-          <p:cNvPr id="181" name="Shape 181"/>
-          <p:cNvSpPr txBox="1"/>
-          <p:nvPr>
-            <p:ph idx="1" type="body"/>
-          </p:nvPr>
-        </p:nvSpPr>
-        <p:spPr>
-          <a:xfrm>
-            <a:off x="311700" y="1152475"/>
-            <a:ext cx="8520600" cy="3416400"/>
-          </a:xfrm>
-          <a:prstGeom prst="rect">
-            <a:avLst/>
-          </a:prstGeom>
-        </p:spPr>
-        <p:txBody>
-          <a:bodyPr anchorCtr="0" anchor="t" bIns="91425" lIns="91425" spcFirstLastPara="1" rIns="91425" wrap="square" tIns="91425">
-            <a:noAutofit/>
-          </a:bodyPr>
-          <a:lstStyle/>
-          <a:p>
-            <a:pPr indent="0" lvl="0" marL="0" rtl="0">
-              <a:spcBef>
-                <a:spcPts val="0"/>
-              </a:spcBef>
-              <a:spcAft>
-                <a:spcPts val="0"/>
-              </a:spcAft>
-              <a:buNone/>
-            </a:pPr>
-            <a:r>
-              <a:rPr lang="en"/>
-              <a:t>- Understanding the MNIST ubyte format for unzipping</a:t>
-            </a:r>
-            <a:endParaRPr/>
-          </a:p>
-          <a:p>
-            <a:pPr indent="0" lvl="0" marL="0" rtl="0">
-              <a:spcBef>
-                <a:spcPts val="1600"/>
-              </a:spcBef>
-              <a:spcAft>
-                <a:spcPts val="0"/>
-              </a:spcAft>
-              <a:buNone/>
-            </a:pPr>
-            <a:r>
-              <a:rPr lang="en"/>
-              <a:t>- Understanding Eric Yuann’s specific implementation of the Conv Net</a:t>
-            </a:r>
-            <a:endParaRPr/>
-          </a:p>
-          <a:p>
-            <a:pPr indent="0" lvl="0" marL="0" rtl="0">
-              <a:spcBef>
-                <a:spcPts val="1600"/>
-              </a:spcBef>
-              <a:spcAft>
-                <a:spcPts val="0"/>
-              </a:spcAft>
-              <a:buNone/>
-            </a:pPr>
-            <a:r>
-              <a:rPr lang="en"/>
-              <a:t>- Back engineering the specific methods to suit our purposes</a:t>
-            </a:r>
-            <a:endParaRPr/>
-          </a:p>
-          <a:p>
-            <a:pPr indent="0" lvl="0" marL="0" rtl="0">
-              <a:spcBef>
-                <a:spcPts val="1600"/>
-              </a:spcBef>
-              <a:spcAft>
-                <a:spcPts val="0"/>
-              </a:spcAft>
-              <a:buNone/>
-            </a:pPr>
-            <a:r>
-              <a:rPr lang="en"/>
-              <a:t>	- Splitting training and testing</a:t>
-            </a:r>
-            <a:endParaRPr/>
-          </a:p>
-          <a:p>
-            <a:pPr indent="0" lvl="0" marL="0" rtl="0">
-              <a:spcBef>
-                <a:spcPts val="1600"/>
-              </a:spcBef>
-              <a:spcAft>
-                <a:spcPts val="0"/>
-              </a:spcAft>
-              <a:buNone/>
-            </a:pPr>
-            <a:r>
-              <a:rPr lang="en"/>
-              <a:t>	- Creating kernel loading capability</a:t>
-            </a:r>
-            <a:endParaRPr/>
-          </a:p>
-          <a:p>
-            <a:pPr indent="0" lvl="0" marL="0" rtl="0">
-              <a:spcBef>
-                <a:spcPts val="1600"/>
-              </a:spcBef>
-              <a:spcAft>
-                <a:spcPts val="1600"/>
-              </a:spcAft>
-              <a:buNone/>
-            </a:pPr>
-            <a:r>
-              <a:rPr lang="en"/>
-              <a:t>	- Redefining input detection to fit .PNG format </a:t>
-            </a:r>
-            <a:endParaRPr/>
-          </a:p>
-        </p:txBody>
-      </p:sp>
-    </p:spTree>
-  </p:cSld>
-  <p:clrMapOvr>
-    <a:masterClrMapping/>
-  </p:clrMapOvr>
-</p:sld>
-</file>
-
-<file path=ppt/slides/slide17.xml><?xml version="1.0" encoding="utf-8"?>
-<p:sld xmlns:a="http://schemas.openxmlformats.org/drawingml/2006/main" xmlns:r="http://schemas.openxmlformats.org/officeDocument/2006/relationships" xmlns:mc="http://schemas.openxmlformats.org/markup-compatibility/2006" xmlns:mv="urn:schemas-microsoft-com:mac:vml" xmlns:p="http://schemas.openxmlformats.org/presentationml/2006/main" xmlns:c="http://schemas.openxmlformats.org/drawingml/2006/chart" xmlns:dgm="http://schemas.openxmlformats.org/drawingml/2006/diagram" xmlns:o="urn:schemas-microsoft-com:office:office" xmlns:v="urn:schemas-microsoft-com:vml" xmlns:pvml="urn:schemas-microsoft-com:office:powerpoint" xmlns:com="http://schemas.openxmlformats.org/drawingml/2006/compatibility" xmlns:p14="http://schemas.microsoft.com/office/powerpoint/2010/main" xmlns:p15="http://schemas.microsoft.com/office/powerpoint/2012/main">
-  <p:cSld>
-    <p:spTree>
-      <p:nvGrpSpPr>
-        <p:cNvPr id="185" name="Shape 185"/>
-        <p:cNvGrpSpPr/>
-        <p:nvPr/>
-      </p:nvGrpSpPr>
-      <p:grpSpPr>
-        <a:xfrm>
-          <a:off x="0" y="0"/>
-          <a:ext cx="0" cy="0"/>
-          <a:chOff x="0" y="0"/>
-          <a:chExt cx="0" cy="0"/>
-        </a:xfrm>
-      </p:grpSpPr>
-      <p:sp>
-        <p:nvSpPr>
-          <p:cNvPr id="186" name="Shape 186"/>
-          <p:cNvSpPr txBox="1"/>
-          <p:nvPr>
-            <p:ph type="title"/>
-          </p:nvPr>
-        </p:nvSpPr>
-        <p:spPr>
-          <a:xfrm>
-            <a:off x="311700" y="445025"/>
-            <a:ext cx="8520600" cy="572700"/>
-          </a:xfrm>
-          <a:prstGeom prst="rect">
-            <a:avLst/>
-          </a:prstGeom>
-        </p:spPr>
-        <p:txBody>
-          <a:bodyPr anchorCtr="0" anchor="t" bIns="91425" lIns="91425" spcFirstLastPara="1" rIns="91425" wrap="square" tIns="91425">
-            <a:noAutofit/>
-          </a:bodyPr>
-          <a:lstStyle/>
-          <a:p>
-            <a:pPr indent="0" lvl="0" marL="0">
-              <a:spcBef>
-                <a:spcPts val="0"/>
-              </a:spcBef>
-              <a:spcAft>
-                <a:spcPts val="0"/>
-              </a:spcAft>
-              <a:buNone/>
-            </a:pPr>
-            <a:r>
-              <a:rPr lang="en"/>
-              <a:t>Convolutional neural net recap</a:t>
-            </a:r>
-            <a:endParaRPr/>
-          </a:p>
-        </p:txBody>
-      </p:sp>
-      <p:sp>
-        <p:nvSpPr>
-          <p:cNvPr id="187" name="Shape 187"/>
-          <p:cNvSpPr txBox="1"/>
-          <p:nvPr>
-            <p:ph idx="1" type="body"/>
-          </p:nvPr>
-        </p:nvSpPr>
-        <p:spPr>
-          <a:xfrm>
-            <a:off x="311700" y="1152475"/>
-            <a:ext cx="8520600" cy="3416400"/>
-          </a:xfrm>
-          <a:prstGeom prst="rect">
-            <a:avLst/>
-          </a:prstGeom>
-        </p:spPr>
-        <p:txBody>
-          <a:bodyPr anchorCtr="0" anchor="t" bIns="91425" lIns="91425" spcFirstLastPara="1" rIns="91425" wrap="square" tIns="91425">
-            <a:noAutofit/>
-          </a:bodyPr>
-          <a:lstStyle/>
-          <a:p>
-            <a:pPr indent="0" lvl="0" marL="0">
-              <a:spcBef>
-                <a:spcPts val="0"/>
-              </a:spcBef>
-              <a:spcAft>
-                <a:spcPts val="0"/>
-              </a:spcAft>
-              <a:buNone/>
-            </a:pPr>
-            <a:r>
-              <a:rPr lang="en"/>
-              <a:t>Since last time:</a:t>
-            </a:r>
-            <a:endParaRPr/>
-          </a:p>
-          <a:p>
-            <a:pPr indent="-342900" lvl="0" marL="457200" rtl="0">
-              <a:spcBef>
-                <a:spcPts val="1600"/>
-              </a:spcBef>
-              <a:spcAft>
-                <a:spcPts val="0"/>
-              </a:spcAft>
-              <a:buSzPts val="1800"/>
-              <a:buChar char="-"/>
-            </a:pPr>
-            <a:r>
-              <a:rPr lang="en"/>
-              <a:t>The neural network now takes picture inputs</a:t>
-            </a:r>
-            <a:endParaRPr/>
-          </a:p>
-          <a:p>
-            <a:pPr indent="-342900" lvl="0" marL="457200" rtl="0">
-              <a:spcBef>
-                <a:spcPts val="0"/>
-              </a:spcBef>
-              <a:spcAft>
-                <a:spcPts val="0"/>
-              </a:spcAft>
-              <a:buSzPts val="1800"/>
-              <a:buChar char="-"/>
-            </a:pPr>
-            <a:r>
-              <a:rPr lang="en"/>
-              <a:t>Trained with over 90,000 iterations, it now has a 91% accuracy rating</a:t>
-            </a:r>
-            <a:endParaRPr/>
-          </a:p>
-          <a:p>
-            <a:pPr indent="-342900" lvl="0" marL="457200">
-              <a:spcBef>
-                <a:spcPts val="0"/>
-              </a:spcBef>
-              <a:spcAft>
-                <a:spcPts val="0"/>
-              </a:spcAft>
-              <a:buSzPts val="1800"/>
-              <a:buChar char="-"/>
-            </a:pPr>
-            <a:r>
-              <a:rPr lang="en"/>
-              <a:t>Saving and loading now allows the user to utilize existing architectures</a:t>
             </a:r>
             <a:endParaRPr/>
           </a:p>
@@ -12814,7 +12275,7 @@
             <a:tbl>
               <a:tblPr>
                 <a:noFill/>
-                <a:tableStyleId>{DD4DBFF6-DA18-4AC0-90F8-6C14E18FC961}</a:tableStyleId>
+                <a:tableStyleId>{FEC2A8B3-041E-4FB1-A717-3C43439F81F6}</a:tableStyleId>
               </a:tblPr>
               <a:tblGrid>
                 <a:gridCol w="3897800"/>
